--- a/introduction/SetupRenku.pptx
+++ b/introduction/SetupRenku.pptx
@@ -20,7 +20,8 @@
     <p:sldId id="274" r:id="rId14"/>
     <p:sldId id="275" r:id="rId15"/>
     <p:sldId id="276" r:id="rId16"/>
-    <p:sldId id="262" r:id="rId17"/>
+    <p:sldId id="282" r:id="rId17"/>
+    <p:sldId id="262" r:id="rId18"/>
   </p:sldIdLst>
   <p:sldSz cx="12192000" cy="6858000"/>
   <p:notesSz cx="6858000" cy="9144000"/>
@@ -4992,6 +4993,208 @@
           <p:cNvPr id="2" name="Titel 1">
             <a:extLst>
               <a:ext uri="{FF2B5EF4-FFF2-40B4-BE49-F238E27FC236}">
+                <a16:creationId xmlns:a16="http://schemas.microsoft.com/office/drawing/2014/main" id="{F6AC32B8-0E94-41F1-9A8D-511582683E7B}"/>
+              </a:ext>
+            </a:extLst>
+          </p:cNvPr>
+          <p:cNvSpPr>
+            <a:spLocks noGrp="1"/>
+          </p:cNvSpPr>
+          <p:nvPr>
+            <p:ph type="title"/>
+          </p:nvPr>
+        </p:nvSpPr>
+        <p:spPr/>
+        <p:txBody>
+          <a:bodyPr/>
+          <a:lstStyle/>
+          <a:p>
+            <a:r>
+              <a:rPr lang="en-US" dirty="0"/>
+              <a:t>Remarks on saving your edits</a:t>
+            </a:r>
+            <a:endParaRPr lang="de-CH" dirty="0"/>
+          </a:p>
+        </p:txBody>
+      </p:sp>
+      <p:sp>
+        <p:nvSpPr>
+          <p:cNvPr id="3" name="Inhaltsplatzhalter 2">
+            <a:extLst>
+              <a:ext uri="{FF2B5EF4-FFF2-40B4-BE49-F238E27FC236}">
+                <a16:creationId xmlns:a16="http://schemas.microsoft.com/office/drawing/2014/main" id="{8F37BEC7-A334-4ECC-BBE6-D854AC7D0172}"/>
+              </a:ext>
+            </a:extLst>
+          </p:cNvPr>
+          <p:cNvSpPr>
+            <a:spLocks noGrp="1"/>
+          </p:cNvSpPr>
+          <p:nvPr>
+            <p:ph idx="1"/>
+          </p:nvPr>
+        </p:nvSpPr>
+        <p:spPr/>
+        <p:txBody>
+          <a:bodyPr>
+            <a:normAutofit/>
+          </a:bodyPr>
+          <a:lstStyle/>
+          <a:p>
+            <a:r>
+              <a:rPr lang="en-US" dirty="0"/>
+              <a:t>Remember that you are working in a </a:t>
+            </a:r>
+            <a:r>
+              <a:rPr lang="en-US" b="1" dirty="0">
+                <a:solidFill>
+                  <a:schemeClr val="accent1"/>
+                </a:solidFill>
+              </a:rPr>
+              <a:t>git repository</a:t>
+            </a:r>
+          </a:p>
+          <a:p>
+            <a:r>
+              <a:rPr lang="en-US" dirty="0"/>
+              <a:t>If you want to edit existing files, it’s best to </a:t>
+            </a:r>
+            <a:r>
+              <a:rPr lang="en-US" b="1" dirty="0">
+                <a:solidFill>
+                  <a:schemeClr val="accent1"/>
+                </a:solidFill>
+              </a:rPr>
+              <a:t>first copy </a:t>
+            </a:r>
+            <a:r>
+              <a:rPr lang="en-US" dirty="0"/>
+              <a:t>them under a new name – this </a:t>
+            </a:r>
+            <a:r>
+              <a:rPr lang="en-US" b="1" dirty="0">
+                <a:solidFill>
+                  <a:schemeClr val="accent1"/>
+                </a:solidFill>
+              </a:rPr>
+              <a:t>avoids merge conflicts </a:t>
+            </a:r>
+            <a:r>
+              <a:rPr lang="en-US" dirty="0"/>
+              <a:t>when you next “git pull”</a:t>
+            </a:r>
+          </a:p>
+          <a:p>
+            <a:r>
+              <a:rPr lang="en-US" dirty="0"/>
+              <a:t>To avoid any issues: Think of the GitHub repo submodule in the </a:t>
+            </a:r>
+            <a:r>
+              <a:rPr lang="en-US" b="1" dirty="0">
+                <a:solidFill>
+                  <a:schemeClr val="accent1"/>
+                </a:solidFill>
+              </a:rPr>
+              <a:t>“adv_scrnaseq_2020” subfolder as read-only</a:t>
+            </a:r>
+          </a:p>
+          <a:p>
+            <a:r>
+              <a:rPr lang="en-US" dirty="0"/>
+              <a:t>To </a:t>
+            </a:r>
+            <a:r>
+              <a:rPr lang="en-US" b="1" dirty="0">
+                <a:solidFill>
+                  <a:schemeClr val="accent1"/>
+                </a:solidFill>
+              </a:rPr>
+              <a:t>store your edits </a:t>
+            </a:r>
+            <a:r>
+              <a:rPr lang="en-US" dirty="0"/>
+              <a:t>in your repo, use the standard “git add”, “git commit” and “git push” before closing the environment</a:t>
+            </a:r>
+          </a:p>
+          <a:p>
+            <a:r>
+              <a:rPr lang="en-US" dirty="0"/>
+              <a:t>If you did not push your edits to the “master” branch, </a:t>
+            </a:r>
+            <a:r>
+              <a:rPr lang="en-US" dirty="0" err="1"/>
+              <a:t>renku</a:t>
+            </a:r>
+            <a:r>
+              <a:rPr lang="en-US" dirty="0"/>
+              <a:t> will save them in a </a:t>
+            </a:r>
+            <a:r>
+              <a:rPr lang="en-US" b="1" dirty="0">
+                <a:solidFill>
+                  <a:schemeClr val="accent1"/>
+                </a:solidFill>
+              </a:rPr>
+              <a:t>“</a:t>
+            </a:r>
+            <a:r>
+              <a:rPr lang="en-US" b="1" dirty="0" err="1">
+                <a:solidFill>
+                  <a:schemeClr val="accent1"/>
+                </a:solidFill>
+              </a:rPr>
+              <a:t>renku</a:t>
+            </a:r>
+            <a:r>
+              <a:rPr lang="en-US" b="1" dirty="0">
+                <a:solidFill>
+                  <a:schemeClr val="accent1"/>
+                </a:solidFill>
+              </a:rPr>
+              <a:t>/autosave/…” </a:t>
+            </a:r>
+            <a:r>
+              <a:rPr lang="en-US" dirty="0"/>
+              <a:t>branch</a:t>
+            </a:r>
+            <a:endParaRPr lang="de-CH" dirty="0"/>
+          </a:p>
+        </p:txBody>
+      </p:sp>
+    </p:spTree>
+    <p:extLst>
+      <p:ext uri="{BB962C8B-B14F-4D97-AF65-F5344CB8AC3E}">
+        <p14:creationId xmlns:p14="http://schemas.microsoft.com/office/powerpoint/2010/main" val="2882215781"/>
+      </p:ext>
+    </p:extLst>
+  </p:cSld>
+  <p:clrMapOvr>
+    <a:masterClrMapping/>
+  </p:clrMapOvr>
+</p:sld>
+</file>
+
+<file path=ppt/slides/slide17.xml><?xml version="1.0" encoding="utf-8"?>
+<p:sld xmlns:a="http://schemas.openxmlformats.org/drawingml/2006/main" xmlns:r="http://schemas.openxmlformats.org/officeDocument/2006/relationships" xmlns:p="http://schemas.openxmlformats.org/presentationml/2006/main">
+  <p:cSld>
+    <p:spTree>
+      <p:nvGrpSpPr>
+        <p:cNvPr id="1" name=""/>
+        <p:cNvGrpSpPr/>
+        <p:nvPr/>
+      </p:nvGrpSpPr>
+      <p:grpSpPr>
+        <a:xfrm>
+          <a:off x="0" y="0"/>
+          <a:ext cx="0" cy="0"/>
+          <a:chOff x="0" y="0"/>
+          <a:chExt cx="0" cy="0"/>
+        </a:xfrm>
+      </p:grpSpPr>
+      <p:sp>
+        <p:nvSpPr>
+          <p:cNvPr id="2" name="Titel 1">
+            <a:extLst>
+              <a:ext uri="{FF2B5EF4-FFF2-40B4-BE49-F238E27FC236}">
                 <a16:creationId xmlns:a16="http://schemas.microsoft.com/office/drawing/2014/main" id="{AAC192EC-D28B-4227-BAF6-8578DB5C92AB}"/>
               </a:ext>
             </a:extLst>
